--- a/lecs/cmsc498t_s2022_lec13+14+15_knittel.pptx
+++ b/lecs/cmsc498t_s2022_lec13+14+15_knittel.pptx
@@ -239,7 +239,7 @@
           <a:p>
             <a:fld id="{80BF8044-1598-EF4E-BBDA-D110E031C231}" type="datetimeFigureOut">
               <a:rPr lang="en-US" smtClean="0"/>
-              <a:t>3/15/2022</a:t>
+              <a:t>3/16/2022</a:t>
             </a:fld>
             <a:endParaRPr lang="en-US"/>
           </a:p>
@@ -405,7 +405,7 @@
           <a:p>
             <a:fld id="{8FEE2225-873F-6F40-BA29-3AE101B223B8}" type="datetimeFigureOut">
               <a:rPr lang="en-US" smtClean="0"/>
-              <a:t>3/15/2022</a:t>
+              <a:t>3/16/2022</a:t>
             </a:fld>
             <a:endParaRPr lang="en-US"/>
           </a:p>
@@ -10274,351 +10274,6 @@
   <p:clrMapOvr>
     <a:masterClrMapping/>
   </p:clrMapOvr>
-</p:sld>
-</file>
-
-<file path=ppt/slides/slide19.xml><?xml version="1.0" encoding="utf-8"?>
-<p:sld xmlns:a="http://schemas.openxmlformats.org/drawingml/2006/main" xmlns:r="http://schemas.openxmlformats.org/officeDocument/2006/relationships" xmlns:p="http://schemas.openxmlformats.org/presentationml/2006/main">
-  <p:cSld>
-    <p:spTree>
-      <p:nvGrpSpPr>
-        <p:cNvPr id="1" name=""/>
-        <p:cNvGrpSpPr/>
-        <p:nvPr/>
-      </p:nvGrpSpPr>
-      <p:grpSpPr>
-        <a:xfrm>
-          <a:off x="0" y="0"/>
-          <a:ext cx="0" cy="0"/>
-          <a:chOff x="0" y="0"/>
-          <a:chExt cx="0" cy="0"/>
-        </a:xfrm>
-      </p:grpSpPr>
-      <p:sp>
-        <p:nvSpPr>
-          <p:cNvPr id="8" name="Title 7">
-            <a:extLst>
-              <a:ext uri="{FF2B5EF4-FFF2-40B4-BE49-F238E27FC236}">
-                <a16:creationId xmlns:a16="http://schemas.microsoft.com/office/drawing/2014/main" id="{4199C2C3-700B-4418-B88B-E36FBFBAA0CA}"/>
-              </a:ext>
-            </a:extLst>
-          </p:cNvPr>
-          <p:cNvSpPr>
-            <a:spLocks noGrp="1"/>
-          </p:cNvSpPr>
-          <p:nvPr>
-            <p:ph type="title"/>
-          </p:nvPr>
-        </p:nvSpPr>
-        <p:spPr/>
-        <p:txBody>
-          <a:bodyPr/>
-          <a:lstStyle/>
-          <a:p>
-            <a:r>
-              <a:rPr lang="en-US" dirty="0"/>
-              <a:t>Envy-Freeness beyond n=3</a:t>
-            </a:r>
-          </a:p>
-        </p:txBody>
-      </p:sp>
-      <p:sp>
-        <p:nvSpPr>
-          <p:cNvPr id="9" name="Content Placeholder 8">
-            <a:extLst>
-              <a:ext uri="{FF2B5EF4-FFF2-40B4-BE49-F238E27FC236}">
-                <a16:creationId xmlns:a16="http://schemas.microsoft.com/office/drawing/2014/main" id="{16A0017A-0CFF-4E60-905D-F70473C9B358}"/>
-              </a:ext>
-            </a:extLst>
-          </p:cNvPr>
-          <p:cNvSpPr>
-            <a:spLocks noGrp="1"/>
-          </p:cNvSpPr>
-          <p:nvPr>
-            <p:ph idx="1"/>
-          </p:nvPr>
-        </p:nvSpPr>
-        <p:spPr/>
-        <p:txBody>
-          <a:bodyPr>
-            <a:normAutofit lnSpcReduction="10000"/>
-          </a:bodyPr>
-          <a:lstStyle/>
-          <a:p>
-            <a:r>
-              <a:rPr lang="en-US" dirty="0"/>
-              <a:t>It’s um… well it’s complicated. And we don’t need to discuss it.</a:t>
-            </a:r>
-          </a:p>
-          <a:p>
-            <a:endParaRPr lang="en-US" dirty="0"/>
-          </a:p>
-          <a:p>
-            <a:r>
-              <a:rPr lang="en-US" dirty="0"/>
-              <a:t>In some ways it is an extension of the n=3 algorithm, with a fair amount of added steps. </a:t>
-            </a:r>
-            <a:r>
-              <a:rPr lang="en-US" b="0" dirty="0"/>
-              <a:t>See: reading on course website (</a:t>
-            </a:r>
-            <a:r>
-              <a:rPr lang="en-US" b="0" dirty="0" err="1"/>
-              <a:t>Brams</a:t>
-            </a:r>
-            <a:r>
-              <a:rPr lang="en-US" b="0" dirty="0"/>
-              <a:t> and Taylor) for the n=4 version.</a:t>
-            </a:r>
-          </a:p>
-          <a:p>
-            <a:endParaRPr lang="en-US" b="0" dirty="0"/>
-          </a:p>
-          <a:p>
-            <a:r>
-              <a:rPr lang="en-US" dirty="0"/>
-              <a:t>Notable difference:</a:t>
-            </a:r>
-            <a:r>
-              <a:rPr lang="en-US" b="0" dirty="0"/>
-              <a:t> the number of cuts is unbounded, whereas the n=3 algorithm only ever requires 5 cuts.</a:t>
-            </a:r>
-          </a:p>
-          <a:p>
-            <a:endParaRPr lang="en-US" b="0" dirty="0"/>
-          </a:p>
-          <a:p>
-            <a:r>
-              <a:rPr lang="en-US" dirty="0"/>
-              <a:t>But hey! </a:t>
-            </a:r>
-            <a:r>
-              <a:rPr lang="en-US" b="0" dirty="0"/>
-              <a:t>At least it means that envy-freeness always exists </a:t>
-            </a:r>
-            <a:r>
-              <a:rPr lang="en-US" b="0" dirty="0">
-                <a:sym typeface="Wingdings" panose="05000000000000000000" pitchFamily="2" charset="2"/>
-              </a:rPr>
-              <a:t> (this was shown non-constructively much earlier)</a:t>
-            </a:r>
-            <a:endParaRPr lang="en-US" dirty="0"/>
-          </a:p>
-        </p:txBody>
-      </p:sp>
-      <p:sp>
-        <p:nvSpPr>
-          <p:cNvPr id="5" name="Slide Number Placeholder 4">
-            <a:extLst>
-              <a:ext uri="{FF2B5EF4-FFF2-40B4-BE49-F238E27FC236}">
-                <a16:creationId xmlns:a16="http://schemas.microsoft.com/office/drawing/2014/main" id="{E34CCF01-FCFB-4125-B44D-FC1B543E4214}"/>
-              </a:ext>
-            </a:extLst>
-          </p:cNvPr>
-          <p:cNvSpPr>
-            <a:spLocks noGrp="1"/>
-          </p:cNvSpPr>
-          <p:nvPr>
-            <p:ph type="sldNum" sz="quarter" idx="12"/>
-          </p:nvPr>
-        </p:nvSpPr>
-        <p:spPr/>
-        <p:txBody>
-          <a:bodyPr/>
-          <a:lstStyle/>
-          <a:p>
-            <a:fld id="{A2EF37A0-74FC-AB4F-AE4C-D9BFC6719E9F}" type="slidenum">
-              <a:rPr lang="en-US" smtClean="0"/>
-              <a:t>19</a:t>
-            </a:fld>
-            <a:endParaRPr lang="en-US"/>
-          </a:p>
-        </p:txBody>
-      </p:sp>
-    </p:spTree>
-    <p:extLst>
-      <p:ext uri="{BB962C8B-B14F-4D97-AF65-F5344CB8AC3E}">
-        <p14:creationId xmlns:p14="http://schemas.microsoft.com/office/powerpoint/2010/main" val="1253323113"/>
-      </p:ext>
-    </p:extLst>
-  </p:cSld>
-  <p:clrMapOvr>
-    <a:masterClrMapping/>
-  </p:clrMapOvr>
-</p:sld>
-</file>
-
-<file path=ppt/slides/slide2.xml><?xml version="1.0" encoding="utf-8"?>
-<p:sld xmlns:a="http://schemas.openxmlformats.org/drawingml/2006/main" xmlns:r="http://schemas.openxmlformats.org/officeDocument/2006/relationships" xmlns:p="http://schemas.openxmlformats.org/presentationml/2006/main">
-  <p:cSld>
-    <p:spTree>
-      <p:nvGrpSpPr>
-        <p:cNvPr id="1" name=""/>
-        <p:cNvGrpSpPr/>
-        <p:nvPr/>
-      </p:nvGrpSpPr>
-      <p:grpSpPr>
-        <a:xfrm>
-          <a:off x="0" y="0"/>
-          <a:ext cx="0" cy="0"/>
-          <a:chOff x="0" y="0"/>
-          <a:chExt cx="0" cy="0"/>
-        </a:xfrm>
-      </p:grpSpPr>
-      <p:sp>
-        <p:nvSpPr>
-          <p:cNvPr id="2" name="Title 1">
-            <a:extLst>
-              <a:ext uri="{FF2B5EF4-FFF2-40B4-BE49-F238E27FC236}">
-                <a16:creationId xmlns:a16="http://schemas.microsoft.com/office/drawing/2014/main" id="{0D770CB8-0ECE-C94E-B482-97EBEA01D5D8}"/>
-              </a:ext>
-            </a:extLst>
-          </p:cNvPr>
-          <p:cNvSpPr>
-            <a:spLocks noGrp="1"/>
-          </p:cNvSpPr>
-          <p:nvPr>
-            <p:ph type="title"/>
-          </p:nvPr>
-        </p:nvSpPr>
-        <p:spPr/>
-        <p:txBody>
-          <a:bodyPr/>
-          <a:lstStyle/>
-          <a:p>
-            <a:r>
-              <a:rPr lang="en-US" dirty="0"/>
-              <a:t>Announcements</a:t>
-            </a:r>
-          </a:p>
-        </p:txBody>
-      </p:sp>
-      <p:sp>
-        <p:nvSpPr>
-          <p:cNvPr id="3" name="Content Placeholder 2">
-            <a:extLst>
-              <a:ext uri="{FF2B5EF4-FFF2-40B4-BE49-F238E27FC236}">
-                <a16:creationId xmlns:a16="http://schemas.microsoft.com/office/drawing/2014/main" id="{EAEEE130-BE1B-CA45-B728-18DE7CA2ACE8}"/>
-              </a:ext>
-            </a:extLst>
-          </p:cNvPr>
-          <p:cNvSpPr>
-            <a:spLocks noGrp="1"/>
-          </p:cNvSpPr>
-          <p:nvPr>
-            <p:ph idx="1"/>
-          </p:nvPr>
-        </p:nvSpPr>
-        <p:spPr/>
-        <p:txBody>
-          <a:bodyPr>
-            <a:normAutofit/>
-          </a:bodyPr>
-          <a:lstStyle/>
-          <a:p>
-            <a:r>
-              <a:rPr lang="en-US" dirty="0"/>
-              <a:t>Projects!</a:t>
-            </a:r>
-          </a:p>
-          <a:p>
-            <a:pPr marL="342900" indent="-342900">
-              <a:buFont typeface="Arial" panose="020B0604020202020204" pitchFamily="34" charset="0"/>
-              <a:buChar char="•"/>
-            </a:pPr>
-            <a:r>
-              <a:rPr lang="en-US" b="0" dirty="0"/>
-              <a:t>Due this Friday: a brief outline of what you would like to work on</a:t>
-            </a:r>
-          </a:p>
-          <a:p>
-            <a:pPr marL="342900" indent="-342900">
-              <a:buFont typeface="Arial" panose="020B0604020202020204" pitchFamily="34" charset="0"/>
-              <a:buChar char="•"/>
-            </a:pPr>
-            <a:r>
-              <a:rPr lang="en-US" b="0" dirty="0"/>
-              <a:t>We strongly encourage working in a group</a:t>
-            </a:r>
-          </a:p>
-          <a:p>
-            <a:endParaRPr lang="en-US" dirty="0"/>
-          </a:p>
-          <a:p>
-            <a:r>
-              <a:rPr lang="en-US" dirty="0"/>
-              <a:t>Paper Presentations: </a:t>
-            </a:r>
-          </a:p>
-          <a:p>
-            <a:pPr marL="342900" indent="-342900">
-              <a:buFont typeface="Arial" panose="020B0604020202020204" pitchFamily="34" charset="0"/>
-              <a:buChar char="•"/>
-            </a:pPr>
-            <a:r>
-              <a:rPr lang="en-US" b="0" dirty="0"/>
-              <a:t>Due </a:t>
-            </a:r>
-            <a:r>
-              <a:rPr lang="en-US" b="0" i="1" dirty="0"/>
-              <a:t>tonight</a:t>
-            </a:r>
-            <a:r>
-              <a:rPr lang="en-US" b="0" dirty="0"/>
-              <a:t>: a brief written or recorded summary of a paper, book chapter, topic of interest, etc.</a:t>
-            </a:r>
-          </a:p>
-          <a:p>
-            <a:pPr marL="342900" indent="-342900">
-              <a:buFont typeface="Arial" panose="020B0604020202020204" pitchFamily="34" charset="0"/>
-              <a:buChar char="•"/>
-            </a:pPr>
-            <a:r>
-              <a:rPr lang="en-US" b="0" dirty="0"/>
-              <a:t>Check out our website for some examples</a:t>
-            </a:r>
-          </a:p>
-        </p:txBody>
-      </p:sp>
-      <p:sp>
-        <p:nvSpPr>
-          <p:cNvPr id="4" name="Slide Number Placeholder 3">
-            <a:extLst>
-              <a:ext uri="{FF2B5EF4-FFF2-40B4-BE49-F238E27FC236}">
-                <a16:creationId xmlns:a16="http://schemas.microsoft.com/office/drawing/2014/main" id="{C0223BEF-6D88-2944-AFC4-ACB551E815C1}"/>
-              </a:ext>
-            </a:extLst>
-          </p:cNvPr>
-          <p:cNvSpPr>
-            <a:spLocks noGrp="1"/>
-          </p:cNvSpPr>
-          <p:nvPr>
-            <p:ph type="sldNum" sz="quarter" idx="12"/>
-          </p:nvPr>
-        </p:nvSpPr>
-        <p:spPr/>
-        <p:txBody>
-          <a:bodyPr/>
-          <a:lstStyle/>
-          <a:p>
-            <a:fld id="{A2EF37A0-74FC-AB4F-AE4C-D9BFC6719E9F}" type="slidenum">
-              <a:rPr lang="en-US" smtClean="0"/>
-              <a:t>2</a:t>
-            </a:fld>
-            <a:endParaRPr lang="en-US"/>
-          </a:p>
-        </p:txBody>
-      </p:sp>
-    </p:spTree>
-    <p:extLst>
-      <p:ext uri="{BB962C8B-B14F-4D97-AF65-F5344CB8AC3E}">
-        <p14:creationId xmlns:p14="http://schemas.microsoft.com/office/powerpoint/2010/main" val="3751474419"/>
-      </p:ext>
-    </p:extLst>
-  </p:cSld>
-  <p:clrMapOvr>
-    <a:masterClrMapping/>
-  </p:clrMapOvr>
   <p:timing>
     <p:tnLst>
       <p:par>
@@ -10640,7 +10295,7 @@
                             </p:stCondLst>
                             <p:childTnLst>
                               <p:par>
-                                <p:cTn id="5" presetID="1" presetClass="entr" presetSubtype="0" fill="hold" grpId="0" nodeType="clickEffect">
+                                <p:cTn id="5" presetID="1" presetClass="entr" presetSubtype="0" fill="hold" nodeType="clickEffect">
                                   <p:stCondLst>
                                     <p:cond delay="0"/>
                                   </p:stCondLst>
@@ -10653,7 +10308,7 @@
                                           </p:stCondLst>
                                         </p:cTn>
                                         <p:tgtEl>
-                                          <p:spTgt spid="3">
+                                          <p:spTgt spid="5">
                                             <p:txEl>
                                               <p:pRg st="0" end="0"/>
                                             </p:txEl>
@@ -10689,7 +10344,7 @@
                             </p:stCondLst>
                             <p:childTnLst>
                               <p:par>
-                                <p:cTn id="9" presetID="1" presetClass="entr" presetSubtype="0" fill="hold" grpId="0" nodeType="clickEffect">
+                                <p:cTn id="9" presetID="1" presetClass="entr" presetSubtype="0" fill="hold" nodeType="clickEffect">
                                   <p:stCondLst>
                                     <p:cond delay="0"/>
                                   </p:stCondLst>
@@ -10702,7 +10357,7 @@
                                           </p:stCondLst>
                                         </p:cTn>
                                         <p:tgtEl>
-                                          <p:spTgt spid="3">
+                                          <p:spTgt spid="5">
                                             <p:txEl>
                                               <p:pRg st="1" end="1"/>
                                             </p:txEl>
@@ -10738,7 +10393,7 @@
                             </p:stCondLst>
                             <p:childTnLst>
                               <p:par>
-                                <p:cTn id="13" presetID="1" presetClass="entr" presetSubtype="0" fill="hold" grpId="0" nodeType="clickEffect">
+                                <p:cTn id="13" presetID="1" presetClass="entr" presetSubtype="0" fill="hold" nodeType="clickEffect">
                                   <p:stCondLst>
                                     <p:cond delay="0"/>
                                   </p:stCondLst>
@@ -10751,7 +10406,7 @@
                                           </p:stCondLst>
                                         </p:cTn>
                                         <p:tgtEl>
-                                          <p:spTgt spid="3">
+                                          <p:spTgt spid="5">
                                             <p:txEl>
                                               <p:pRg st="2" end="2"/>
                                             </p:txEl>
@@ -10787,7 +10442,7 @@
                             </p:stCondLst>
                             <p:childTnLst>
                               <p:par>
-                                <p:cTn id="17" presetID="1" presetClass="entr" presetSubtype="0" fill="hold" grpId="0" nodeType="clickEffect">
+                                <p:cTn id="17" presetID="1" presetClass="entr" presetSubtype="0" fill="hold" nodeType="clickEffect">
                                   <p:stCondLst>
                                     <p:cond delay="0"/>
                                   </p:stCondLst>
@@ -10800,9 +10455,9 @@
                                           </p:stCondLst>
                                         </p:cTn>
                                         <p:tgtEl>
-                                          <p:spTgt spid="3">
+                                          <p:spTgt spid="6">
                                             <p:txEl>
-                                              <p:pRg st="4" end="4"/>
+                                              <p:pRg st="0" end="0"/>
                                             </p:txEl>
                                           </p:spTgt>
                                         </p:tgtEl>
@@ -10836,7 +10491,7 @@
                             </p:stCondLst>
                             <p:childTnLst>
                               <p:par>
-                                <p:cTn id="21" presetID="1" presetClass="entr" presetSubtype="0" fill="hold" grpId="0" nodeType="clickEffect">
+                                <p:cTn id="21" presetID="1" presetClass="entr" presetSubtype="0" fill="hold" nodeType="clickEffect">
                                   <p:stCondLst>
                                     <p:cond delay="0"/>
                                   </p:stCondLst>
@@ -10849,9 +10504,9 @@
                                           </p:stCondLst>
                                         </p:cTn>
                                         <p:tgtEl>
-                                          <p:spTgt spid="3">
+                                          <p:spTgt spid="6">
                                             <p:txEl>
-                                              <p:pRg st="5" end="5"/>
+                                              <p:pRg st="1" end="1"/>
                                             </p:txEl>
                                           </p:spTgt>
                                         </p:tgtEl>
@@ -10885,7 +10540,7 @@
                             </p:stCondLst>
                             <p:childTnLst>
                               <p:par>
-                                <p:cTn id="25" presetID="1" presetClass="entr" presetSubtype="0" fill="hold" grpId="0" nodeType="clickEffect">
+                                <p:cTn id="25" presetID="1" presetClass="entr" presetSubtype="0" fill="hold" nodeType="clickEffect">
                                   <p:stCondLst>
                                     <p:cond delay="0"/>
                                   </p:stCondLst>
@@ -10898,7 +10553,453 @@
                                           </p:stCondLst>
                                         </p:cTn>
                                         <p:tgtEl>
-                                          <p:spTgt spid="3">
+                                          <p:spTgt spid="6">
+                                            <p:txEl>
+                                              <p:pRg st="2" end="2"/>
+                                            </p:txEl>
+                                          </p:spTgt>
+                                        </p:tgtEl>
+                                        <p:attrNameLst>
+                                          <p:attrName>style.visibility</p:attrName>
+                                        </p:attrNameLst>
+                                      </p:cBhvr>
+                                      <p:to>
+                                        <p:strVal val="visible"/>
+                                      </p:to>
+                                    </p:set>
+                                  </p:childTnLst>
+                                </p:cTn>
+                              </p:par>
+                            </p:childTnLst>
+                          </p:cTn>
+                        </p:par>
+                      </p:childTnLst>
+                    </p:cTn>
+                  </p:par>
+                  <p:par>
+                    <p:cTn id="27" fill="hold">
+                      <p:stCondLst>
+                        <p:cond delay="indefinite"/>
+                      </p:stCondLst>
+                      <p:childTnLst>
+                        <p:par>
+                          <p:cTn id="28" fill="hold">
+                            <p:stCondLst>
+                              <p:cond delay="0"/>
+                            </p:stCondLst>
+                            <p:childTnLst>
+                              <p:par>
+                                <p:cTn id="29" presetID="1" presetClass="entr" presetSubtype="0" fill="hold" nodeType="clickEffect">
+                                  <p:stCondLst>
+                                    <p:cond delay="0"/>
+                                  </p:stCondLst>
+                                  <p:childTnLst>
+                                    <p:set>
+                                      <p:cBhvr>
+                                        <p:cTn id="30" dur="1" fill="hold">
+                                          <p:stCondLst>
+                                            <p:cond delay="0"/>
+                                          </p:stCondLst>
+                                        </p:cTn>
+                                        <p:tgtEl>
+                                          <p:spTgt spid="6">
+                                            <p:txEl>
+                                              <p:pRg st="3" end="3"/>
+                                            </p:txEl>
+                                          </p:spTgt>
+                                        </p:tgtEl>
+                                        <p:attrNameLst>
+                                          <p:attrName>style.visibility</p:attrName>
+                                        </p:attrNameLst>
+                                      </p:cBhvr>
+                                      <p:to>
+                                        <p:strVal val="visible"/>
+                                      </p:to>
+                                    </p:set>
+                                  </p:childTnLst>
+                                </p:cTn>
+                              </p:par>
+                            </p:childTnLst>
+                          </p:cTn>
+                        </p:par>
+                      </p:childTnLst>
+                    </p:cTn>
+                  </p:par>
+                </p:childTnLst>
+              </p:cTn>
+              <p:prevCondLst>
+                <p:cond evt="onPrev" delay="0">
+                  <p:tgtEl>
+                    <p:sldTgt/>
+                  </p:tgtEl>
+                </p:cond>
+              </p:prevCondLst>
+              <p:nextCondLst>
+                <p:cond evt="onNext" delay="0">
+                  <p:tgtEl>
+                    <p:sldTgt/>
+                  </p:tgtEl>
+                </p:cond>
+              </p:nextCondLst>
+            </p:seq>
+          </p:childTnLst>
+        </p:cTn>
+      </p:par>
+    </p:tnLst>
+  </p:timing>
+</p:sld>
+</file>
+
+<file path=ppt/slides/slide19.xml><?xml version="1.0" encoding="utf-8"?>
+<p:sld xmlns:a="http://schemas.openxmlformats.org/drawingml/2006/main" xmlns:r="http://schemas.openxmlformats.org/officeDocument/2006/relationships" xmlns:p="http://schemas.openxmlformats.org/presentationml/2006/main">
+  <p:cSld>
+    <p:spTree>
+      <p:nvGrpSpPr>
+        <p:cNvPr id="1" name=""/>
+        <p:cNvGrpSpPr/>
+        <p:nvPr/>
+      </p:nvGrpSpPr>
+      <p:grpSpPr>
+        <a:xfrm>
+          <a:off x="0" y="0"/>
+          <a:ext cx="0" cy="0"/>
+          <a:chOff x="0" y="0"/>
+          <a:chExt cx="0" cy="0"/>
+        </a:xfrm>
+      </p:grpSpPr>
+      <p:sp>
+        <p:nvSpPr>
+          <p:cNvPr id="8" name="Title 7">
+            <a:extLst>
+              <a:ext uri="{FF2B5EF4-FFF2-40B4-BE49-F238E27FC236}">
+                <a16:creationId xmlns:a16="http://schemas.microsoft.com/office/drawing/2014/main" id="{4199C2C3-700B-4418-B88B-E36FBFBAA0CA}"/>
+              </a:ext>
+            </a:extLst>
+          </p:cNvPr>
+          <p:cNvSpPr>
+            <a:spLocks noGrp="1"/>
+          </p:cNvSpPr>
+          <p:nvPr>
+            <p:ph type="title"/>
+          </p:nvPr>
+        </p:nvSpPr>
+        <p:spPr/>
+        <p:txBody>
+          <a:bodyPr/>
+          <a:lstStyle/>
+          <a:p>
+            <a:r>
+              <a:rPr lang="en-US" dirty="0"/>
+              <a:t>Envy-Freeness beyond n=3</a:t>
+            </a:r>
+          </a:p>
+        </p:txBody>
+      </p:sp>
+      <p:sp>
+        <p:nvSpPr>
+          <p:cNvPr id="9" name="Content Placeholder 8">
+            <a:extLst>
+              <a:ext uri="{FF2B5EF4-FFF2-40B4-BE49-F238E27FC236}">
+                <a16:creationId xmlns:a16="http://schemas.microsoft.com/office/drawing/2014/main" id="{16A0017A-0CFF-4E60-905D-F70473C9B358}"/>
+              </a:ext>
+            </a:extLst>
+          </p:cNvPr>
+          <p:cNvSpPr>
+            <a:spLocks noGrp="1"/>
+          </p:cNvSpPr>
+          <p:nvPr>
+            <p:ph idx="1"/>
+          </p:nvPr>
+        </p:nvSpPr>
+        <p:spPr/>
+        <p:txBody>
+          <a:bodyPr>
+            <a:normAutofit lnSpcReduction="10000"/>
+          </a:bodyPr>
+          <a:lstStyle/>
+          <a:p>
+            <a:r>
+              <a:rPr lang="en-US" dirty="0"/>
+              <a:t>It’s um… well it’s complicated. And we don’t need to discuss it.</a:t>
+            </a:r>
+          </a:p>
+          <a:p>
+            <a:endParaRPr lang="en-US" dirty="0"/>
+          </a:p>
+          <a:p>
+            <a:r>
+              <a:rPr lang="en-US" dirty="0"/>
+              <a:t>In some ways it is an extension of the n=3 algorithm, with a fair amount of added steps. </a:t>
+            </a:r>
+            <a:r>
+              <a:rPr lang="en-US" b="0" dirty="0"/>
+              <a:t>See: reading on course website (</a:t>
+            </a:r>
+            <a:r>
+              <a:rPr lang="en-US" b="0" dirty="0" err="1"/>
+              <a:t>Brams</a:t>
+            </a:r>
+            <a:r>
+              <a:rPr lang="en-US" b="0" dirty="0"/>
+              <a:t> and Taylor) for the n=4 version.</a:t>
+            </a:r>
+          </a:p>
+          <a:p>
+            <a:endParaRPr lang="en-US" b="0" dirty="0"/>
+          </a:p>
+          <a:p>
+            <a:r>
+              <a:rPr lang="en-US" dirty="0"/>
+              <a:t>Notable difference:</a:t>
+            </a:r>
+            <a:r>
+              <a:rPr lang="en-US" b="0" dirty="0"/>
+              <a:t> the number of cuts is unbounded, whereas the n=3 algorithm only ever requires 5 cuts.</a:t>
+            </a:r>
+          </a:p>
+          <a:p>
+            <a:endParaRPr lang="en-US" b="0" dirty="0"/>
+          </a:p>
+          <a:p>
+            <a:r>
+              <a:rPr lang="en-US" dirty="0"/>
+              <a:t>But hey! </a:t>
+            </a:r>
+            <a:r>
+              <a:rPr lang="en-US" b="0" dirty="0"/>
+              <a:t>At least it means that envy-freeness always exists </a:t>
+            </a:r>
+            <a:r>
+              <a:rPr lang="en-US" b="0" dirty="0">
+                <a:sym typeface="Wingdings" panose="05000000000000000000" pitchFamily="2" charset="2"/>
+              </a:rPr>
+              <a:t> (this was shown non-constructively much earlier)</a:t>
+            </a:r>
+            <a:endParaRPr lang="en-US" dirty="0"/>
+          </a:p>
+        </p:txBody>
+      </p:sp>
+      <p:sp>
+        <p:nvSpPr>
+          <p:cNvPr id="5" name="Slide Number Placeholder 4">
+            <a:extLst>
+              <a:ext uri="{FF2B5EF4-FFF2-40B4-BE49-F238E27FC236}">
+                <a16:creationId xmlns:a16="http://schemas.microsoft.com/office/drawing/2014/main" id="{E34CCF01-FCFB-4125-B44D-FC1B543E4214}"/>
+              </a:ext>
+            </a:extLst>
+          </p:cNvPr>
+          <p:cNvSpPr>
+            <a:spLocks noGrp="1"/>
+          </p:cNvSpPr>
+          <p:nvPr>
+            <p:ph type="sldNum" sz="quarter" idx="12"/>
+          </p:nvPr>
+        </p:nvSpPr>
+        <p:spPr/>
+        <p:txBody>
+          <a:bodyPr/>
+          <a:lstStyle/>
+          <a:p>
+            <a:fld id="{A2EF37A0-74FC-AB4F-AE4C-D9BFC6719E9F}" type="slidenum">
+              <a:rPr lang="en-US" smtClean="0"/>
+              <a:t>19</a:t>
+            </a:fld>
+            <a:endParaRPr lang="en-US"/>
+          </a:p>
+        </p:txBody>
+      </p:sp>
+    </p:spTree>
+    <p:extLst>
+      <p:ext uri="{BB962C8B-B14F-4D97-AF65-F5344CB8AC3E}">
+        <p14:creationId xmlns:p14="http://schemas.microsoft.com/office/powerpoint/2010/main" val="1253323113"/>
+      </p:ext>
+    </p:extLst>
+  </p:cSld>
+  <p:clrMapOvr>
+    <a:masterClrMapping/>
+  </p:clrMapOvr>
+  <p:timing>
+    <p:tnLst>
+      <p:par>
+        <p:cTn id="1" dur="indefinite" restart="never" nodeType="tmRoot">
+          <p:childTnLst>
+            <p:seq concurrent="1" nextAc="seek">
+              <p:cTn id="2" dur="indefinite" nodeType="mainSeq">
+                <p:childTnLst>
+                  <p:par>
+                    <p:cTn id="3" fill="hold">
+                      <p:stCondLst>
+                        <p:cond delay="indefinite"/>
+                      </p:stCondLst>
+                      <p:childTnLst>
+                        <p:par>
+                          <p:cTn id="4" fill="hold">
+                            <p:stCondLst>
+                              <p:cond delay="0"/>
+                            </p:stCondLst>
+                            <p:childTnLst>
+                              <p:par>
+                                <p:cTn id="5" presetID="1" presetClass="entr" presetSubtype="0" fill="hold" nodeType="clickEffect">
+                                  <p:stCondLst>
+                                    <p:cond delay="0"/>
+                                  </p:stCondLst>
+                                  <p:childTnLst>
+                                    <p:set>
+                                      <p:cBhvr>
+                                        <p:cTn id="6" dur="1" fill="hold">
+                                          <p:stCondLst>
+                                            <p:cond delay="0"/>
+                                          </p:stCondLst>
+                                        </p:cTn>
+                                        <p:tgtEl>
+                                          <p:spTgt spid="9">
+                                            <p:txEl>
+                                              <p:pRg st="0" end="0"/>
+                                            </p:txEl>
+                                          </p:spTgt>
+                                        </p:tgtEl>
+                                        <p:attrNameLst>
+                                          <p:attrName>style.visibility</p:attrName>
+                                        </p:attrNameLst>
+                                      </p:cBhvr>
+                                      <p:to>
+                                        <p:strVal val="visible"/>
+                                      </p:to>
+                                    </p:set>
+                                  </p:childTnLst>
+                                </p:cTn>
+                              </p:par>
+                            </p:childTnLst>
+                          </p:cTn>
+                        </p:par>
+                      </p:childTnLst>
+                    </p:cTn>
+                  </p:par>
+                  <p:par>
+                    <p:cTn id="7" fill="hold">
+                      <p:stCondLst>
+                        <p:cond delay="indefinite"/>
+                      </p:stCondLst>
+                      <p:childTnLst>
+                        <p:par>
+                          <p:cTn id="8" fill="hold">
+                            <p:stCondLst>
+                              <p:cond delay="0"/>
+                            </p:stCondLst>
+                            <p:childTnLst>
+                              <p:par>
+                                <p:cTn id="9" presetID="1" presetClass="entr" presetSubtype="0" fill="hold" nodeType="clickEffect">
+                                  <p:stCondLst>
+                                    <p:cond delay="0"/>
+                                  </p:stCondLst>
+                                  <p:childTnLst>
+                                    <p:set>
+                                      <p:cBhvr>
+                                        <p:cTn id="10" dur="1" fill="hold">
+                                          <p:stCondLst>
+                                            <p:cond delay="0"/>
+                                          </p:stCondLst>
+                                        </p:cTn>
+                                        <p:tgtEl>
+                                          <p:spTgt spid="9">
+                                            <p:txEl>
+                                              <p:pRg st="2" end="2"/>
+                                            </p:txEl>
+                                          </p:spTgt>
+                                        </p:tgtEl>
+                                        <p:attrNameLst>
+                                          <p:attrName>style.visibility</p:attrName>
+                                        </p:attrNameLst>
+                                      </p:cBhvr>
+                                      <p:to>
+                                        <p:strVal val="visible"/>
+                                      </p:to>
+                                    </p:set>
+                                  </p:childTnLst>
+                                </p:cTn>
+                              </p:par>
+                            </p:childTnLst>
+                          </p:cTn>
+                        </p:par>
+                      </p:childTnLst>
+                    </p:cTn>
+                  </p:par>
+                  <p:par>
+                    <p:cTn id="11" fill="hold">
+                      <p:stCondLst>
+                        <p:cond delay="indefinite"/>
+                      </p:stCondLst>
+                      <p:childTnLst>
+                        <p:par>
+                          <p:cTn id="12" fill="hold">
+                            <p:stCondLst>
+                              <p:cond delay="0"/>
+                            </p:stCondLst>
+                            <p:childTnLst>
+                              <p:par>
+                                <p:cTn id="13" presetID="1" presetClass="entr" presetSubtype="0" fill="hold" nodeType="clickEffect">
+                                  <p:stCondLst>
+                                    <p:cond delay="0"/>
+                                  </p:stCondLst>
+                                  <p:childTnLst>
+                                    <p:set>
+                                      <p:cBhvr>
+                                        <p:cTn id="14" dur="1" fill="hold">
+                                          <p:stCondLst>
+                                            <p:cond delay="0"/>
+                                          </p:stCondLst>
+                                        </p:cTn>
+                                        <p:tgtEl>
+                                          <p:spTgt spid="9">
+                                            <p:txEl>
+                                              <p:pRg st="4" end="4"/>
+                                            </p:txEl>
+                                          </p:spTgt>
+                                        </p:tgtEl>
+                                        <p:attrNameLst>
+                                          <p:attrName>style.visibility</p:attrName>
+                                        </p:attrNameLst>
+                                      </p:cBhvr>
+                                      <p:to>
+                                        <p:strVal val="visible"/>
+                                      </p:to>
+                                    </p:set>
+                                  </p:childTnLst>
+                                </p:cTn>
+                              </p:par>
+                            </p:childTnLst>
+                          </p:cTn>
+                        </p:par>
+                      </p:childTnLst>
+                    </p:cTn>
+                  </p:par>
+                  <p:par>
+                    <p:cTn id="15" fill="hold">
+                      <p:stCondLst>
+                        <p:cond delay="indefinite"/>
+                      </p:stCondLst>
+                      <p:childTnLst>
+                        <p:par>
+                          <p:cTn id="16" fill="hold">
+                            <p:stCondLst>
+                              <p:cond delay="0"/>
+                            </p:stCondLst>
+                            <p:childTnLst>
+                              <p:par>
+                                <p:cTn id="17" presetID="1" presetClass="entr" presetSubtype="0" fill="hold" nodeType="clickEffect">
+                                  <p:stCondLst>
+                                    <p:cond delay="0"/>
+                                  </p:stCondLst>
+                                  <p:childTnLst>
+                                    <p:set>
+                                      <p:cBhvr>
+                                        <p:cTn id="18" dur="1" fill="hold">
+                                          <p:stCondLst>
+                                            <p:cond delay="0"/>
+                                          </p:stCondLst>
+                                        </p:cTn>
+                                        <p:tgtEl>
+                                          <p:spTgt spid="9">
                                             <p:txEl>
                                               <p:pRg st="6" end="6"/>
                                             </p:txEl>
@@ -10942,10 +11043,181 @@
         </p:cTn>
       </p:par>
     </p:tnLst>
-    <p:bldLst>
-      <p:bldP spid="3" grpId="0" build="p"/>
-    </p:bldLst>
   </p:timing>
+</p:sld>
+</file>
+
+<file path=ppt/slides/slide2.xml><?xml version="1.0" encoding="utf-8"?>
+<p:sld xmlns:a="http://schemas.openxmlformats.org/drawingml/2006/main" xmlns:r="http://schemas.openxmlformats.org/officeDocument/2006/relationships" xmlns:p="http://schemas.openxmlformats.org/presentationml/2006/main">
+  <p:cSld>
+    <p:spTree>
+      <p:nvGrpSpPr>
+        <p:cNvPr id="1" name=""/>
+        <p:cNvGrpSpPr/>
+        <p:nvPr/>
+      </p:nvGrpSpPr>
+      <p:grpSpPr>
+        <a:xfrm>
+          <a:off x="0" y="0"/>
+          <a:ext cx="0" cy="0"/>
+          <a:chOff x="0" y="0"/>
+          <a:chExt cx="0" cy="0"/>
+        </a:xfrm>
+      </p:grpSpPr>
+      <p:sp>
+        <p:nvSpPr>
+          <p:cNvPr id="2" name="Title 1">
+            <a:extLst>
+              <a:ext uri="{FF2B5EF4-FFF2-40B4-BE49-F238E27FC236}">
+                <a16:creationId xmlns:a16="http://schemas.microsoft.com/office/drawing/2014/main" id="{0D770CB8-0ECE-C94E-B482-97EBEA01D5D8}"/>
+              </a:ext>
+            </a:extLst>
+          </p:cNvPr>
+          <p:cNvSpPr>
+            <a:spLocks noGrp="1"/>
+          </p:cNvSpPr>
+          <p:nvPr>
+            <p:ph type="title"/>
+          </p:nvPr>
+        </p:nvSpPr>
+        <p:spPr/>
+        <p:txBody>
+          <a:bodyPr/>
+          <a:lstStyle/>
+          <a:p>
+            <a:r>
+              <a:rPr lang="en-US" dirty="0"/>
+              <a:t>Announcements</a:t>
+            </a:r>
+          </a:p>
+        </p:txBody>
+      </p:sp>
+      <p:sp>
+        <p:nvSpPr>
+          <p:cNvPr id="3" name="Content Placeholder 2">
+            <a:extLst>
+              <a:ext uri="{FF2B5EF4-FFF2-40B4-BE49-F238E27FC236}">
+                <a16:creationId xmlns:a16="http://schemas.microsoft.com/office/drawing/2014/main" id="{EAEEE130-BE1B-CA45-B728-18DE7CA2ACE8}"/>
+              </a:ext>
+            </a:extLst>
+          </p:cNvPr>
+          <p:cNvSpPr>
+            <a:spLocks noGrp="1"/>
+          </p:cNvSpPr>
+          <p:nvPr>
+            <p:ph idx="1"/>
+          </p:nvPr>
+        </p:nvSpPr>
+        <p:spPr/>
+        <p:txBody>
+          <a:bodyPr>
+            <a:normAutofit/>
+          </a:bodyPr>
+          <a:lstStyle/>
+          <a:p>
+            <a:r>
+              <a:rPr lang="en-US" dirty="0"/>
+              <a:t>Projects!</a:t>
+            </a:r>
+          </a:p>
+          <a:p>
+            <a:pPr marL="342900" indent="-342900">
+              <a:buFont typeface="Arial" panose="020B0604020202020204" pitchFamily="34" charset="0"/>
+              <a:buChar char="•"/>
+            </a:pPr>
+            <a:r>
+              <a:rPr lang="en-US" b="0" dirty="0"/>
+              <a:t>Due this Friday: a brief outline of what you would like to work on</a:t>
+            </a:r>
+          </a:p>
+          <a:p>
+            <a:pPr marL="342900" indent="-342900">
+              <a:buFont typeface="Arial" panose="020B0604020202020204" pitchFamily="34" charset="0"/>
+              <a:buChar char="•"/>
+            </a:pPr>
+            <a:r>
+              <a:rPr lang="en-US" b="0" dirty="0"/>
+              <a:t>We strongly encourage working in a group</a:t>
+            </a:r>
+          </a:p>
+          <a:p>
+            <a:endParaRPr lang="en-US" dirty="0"/>
+          </a:p>
+          <a:p>
+            <a:r>
+              <a:rPr lang="en-US" dirty="0"/>
+              <a:t>Paper Presentations: </a:t>
+            </a:r>
+          </a:p>
+          <a:p>
+            <a:pPr marL="342900" indent="-342900">
+              <a:buFont typeface="Arial" panose="020B0604020202020204" pitchFamily="34" charset="0"/>
+              <a:buChar char="•"/>
+            </a:pPr>
+            <a:r>
+              <a:rPr lang="en-US" b="0" dirty="0"/>
+              <a:t>Due </a:t>
+            </a:r>
+            <a:r>
+              <a:rPr lang="en-US" b="0" i="1" dirty="0"/>
+              <a:t>tonight</a:t>
+            </a:r>
+            <a:r>
+              <a:rPr lang="en-US" b="0" dirty="0"/>
+              <a:t>: a brief written or recorded summary of a paper, book chapter, topic of interest, etc.</a:t>
+            </a:r>
+          </a:p>
+          <a:p>
+            <a:pPr marL="342900" indent="-342900">
+              <a:buFont typeface="Arial" panose="020B0604020202020204" pitchFamily="34" charset="0"/>
+              <a:buChar char="•"/>
+            </a:pPr>
+            <a:r>
+              <a:rPr lang="en-US" b="0" dirty="0"/>
+              <a:t>Check out our website for some examples</a:t>
+            </a:r>
+          </a:p>
+        </p:txBody>
+      </p:sp>
+      <p:sp>
+        <p:nvSpPr>
+          <p:cNvPr id="4" name="Slide Number Placeholder 3">
+            <a:extLst>
+              <a:ext uri="{FF2B5EF4-FFF2-40B4-BE49-F238E27FC236}">
+                <a16:creationId xmlns:a16="http://schemas.microsoft.com/office/drawing/2014/main" id="{C0223BEF-6D88-2944-AFC4-ACB551E815C1}"/>
+              </a:ext>
+            </a:extLst>
+          </p:cNvPr>
+          <p:cNvSpPr>
+            <a:spLocks noGrp="1"/>
+          </p:cNvSpPr>
+          <p:nvPr>
+            <p:ph type="sldNum" sz="quarter" idx="12"/>
+          </p:nvPr>
+        </p:nvSpPr>
+        <p:spPr/>
+        <p:txBody>
+          <a:bodyPr/>
+          <a:lstStyle/>
+          <a:p>
+            <a:fld id="{A2EF37A0-74FC-AB4F-AE4C-D9BFC6719E9F}" type="slidenum">
+              <a:rPr lang="en-US" smtClean="0"/>
+              <a:t>2</a:t>
+            </a:fld>
+            <a:endParaRPr lang="en-US"/>
+          </a:p>
+        </p:txBody>
+      </p:sp>
+    </p:spTree>
+    <p:extLst>
+      <p:ext uri="{BB962C8B-B14F-4D97-AF65-F5344CB8AC3E}">
+        <p14:creationId xmlns:p14="http://schemas.microsoft.com/office/powerpoint/2010/main" val="3751474419"/>
+      </p:ext>
+    </p:extLst>
+  </p:cSld>
+  <p:clrMapOvr>
+    <a:masterClrMapping/>
+  </p:clrMapOvr>
 </p:sld>
 </file>
 
@@ -16509,7 +16781,7 @@
           <a:graphicData uri="http://schemas.openxmlformats.org/presentationml/2006/ole">
             <mc:AlternateContent xmlns:mc="http://schemas.openxmlformats.org/markup-compatibility/2006">
               <mc:Choice xmlns:v="urn:schemas-microsoft-com:vml" Requires="v">
-                <p:oleObj spid="_x0000_s1118" name="Equation" r:id="rId3" imgW="672840" imgH="431640" progId="Equation.3">
+                <p:oleObj spid="_x0000_s1126" name="Equation" r:id="rId3" imgW="672840" imgH="431640" progId="Equation.3">
                   <p:embed/>
                 </p:oleObj>
               </mc:Choice>
@@ -16585,7 +16857,7 @@
           <a:graphicData uri="http://schemas.openxmlformats.org/presentationml/2006/ole">
             <mc:AlternateContent xmlns:mc="http://schemas.openxmlformats.org/markup-compatibility/2006">
               <mc:Choice xmlns:v="urn:schemas-microsoft-com:vml" Requires="v">
-                <p:oleObj spid="_x0000_s1119" name="Equation" r:id="rId5" imgW="152280" imgH="393480" progId="Equation.3">
+                <p:oleObj spid="_x0000_s1127" name="Equation" r:id="rId5" imgW="152280" imgH="393480" progId="Equation.3">
                   <p:embed/>
                 </p:oleObj>
               </mc:Choice>
@@ -21026,33 +21298,6 @@
                                   </p:childTnLst>
                                 </p:cTn>
                               </p:par>
-                              <p:par>
-                                <p:cTn id="31" presetID="1" presetClass="entr" presetSubtype="0" fill="hold" nodeType="withEffect">
-                                  <p:stCondLst>
-                                    <p:cond delay="0"/>
-                                  </p:stCondLst>
-                                  <p:childTnLst>
-                                    <p:set>
-                                      <p:cBhvr>
-                                        <p:cTn id="32" dur="1" fill="hold">
-                                          <p:stCondLst>
-                                            <p:cond delay="0"/>
-                                          </p:stCondLst>
-                                        </p:cTn>
-                                        <p:tgtEl>
-                                          <p:spTgt spid="42"/>
-                                        </p:tgtEl>
-                                        <p:attrNameLst>
-                                          <p:attrName>style.visibility</p:attrName>
-                                        </p:attrNameLst>
-                                      </p:cBhvr>
-                                      <p:to>
-                                        <p:strVal val="visible"/>
-                                      </p:to>
-                                    </p:set>
-                                  </p:childTnLst>
-                                </p:cTn>
-                              </p:par>
                             </p:childTnLst>
                           </p:cTn>
                         </p:par>
@@ -21170,7 +21415,7 @@
           <a:p>
             <a:r>
               <a:rPr lang="en-US" dirty="0"/>
-              <a:t>How should Alice and Bob divide a vanilla sheet cake?</a:t>
+              <a:t>How should Alice and Bob divide a multi flavored sheet cake?</a:t>
             </a:r>
           </a:p>
           <a:p>
@@ -21550,7 +21795,7 @@
         </p:blipFill>
         <p:spPr bwMode="auto">
           <a:xfrm>
-            <a:off x="4336297" y="3349877"/>
+            <a:off x="4523732" y="3353721"/>
             <a:ext cx="608565" cy="402759"/>
           </a:xfrm>
           <a:prstGeom prst="rect">
@@ -23868,7 +24113,7 @@
         </p:nvGrpSpPr>
         <p:grpSpPr>
           <a:xfrm>
-            <a:off x="3866520" y="3786815"/>
+            <a:off x="3382430" y="3786815"/>
             <a:ext cx="876523" cy="2899714"/>
             <a:chOff x="1710504" y="3310971"/>
             <a:chExt cx="876523" cy="2899714"/>
@@ -24009,7 +24254,7 @@
                                     <p:cond delay="0"/>
                                   </p:stCondLst>
                                   <p:childTnLst>
-                                    <p:animMotion origin="layout" path="M -3.33333E-6 4.07407E-6 L 0.25018 0.00347 " pathEditMode="relative" rAng="0" ptsTypes="AA">
+                                    <p:animMotion origin="layout" path="M -1.94444E-6 4.07407E-6 L 0.25018 0.00347 " pathEditMode="relative" rAng="0" ptsTypes="AA">
                                       <p:cBhvr>
                                         <p:cTn id="8" dur="1000" fill="hold"/>
                                         <p:tgtEl>
@@ -24119,7 +24364,9 @@
         </p:nvSpPr>
         <p:spPr/>
         <p:txBody>
-          <a:bodyPr/>
+          <a:bodyPr>
+            <a:normAutofit fontScale="92500" lnSpcReduction="20000"/>
+          </a:bodyPr>
           <a:lstStyle/>
           <a:p>
             <a:r>
@@ -24163,8 +24410,34 @@
             </a:r>
             <a:r>
               <a:rPr lang="en-US" b="0" dirty="0"/>
-              <a:t> There is no other allocation that is strictly better for at least one player and at least as good for all others</a:t>
-            </a:r>
+              <a:t> There is no other allocation that</a:t>
+            </a:r>
+            <a:r>
+              <a:rPr lang="en-US" b="0" i="1" dirty="0"/>
+              <a:t> pareto dominates </a:t>
+            </a:r>
+            <a:r>
+              <a:rPr lang="en-US" b="0" dirty="0"/>
+              <a:t>it</a:t>
+            </a:r>
+            <a:endParaRPr lang="en-US" b="0" i="1" dirty="0"/>
+          </a:p>
+          <a:p>
+            <a:pPr marL="342900" indent="-342900">
+              <a:buFont typeface="Arial" panose="020B0604020202020204" pitchFamily="34" charset="0"/>
+              <a:buChar char="•"/>
+            </a:pPr>
+            <a:r>
+              <a:rPr lang="en-US" dirty="0"/>
+              <a:t>Pareto-dominance:</a:t>
+            </a:r>
+            <a:r>
+              <a:rPr lang="en-US" b="0" dirty="0"/>
+              <a:t> An allocation pareto dominates another if it is strictly better for at least one player and at least as good for all others</a:t>
+            </a:r>
+          </a:p>
+          <a:p>
+            <a:endParaRPr lang="en-US" b="0" dirty="0"/>
           </a:p>
           <a:p>
             <a:pPr marL="342900" indent="-342900">
